--- a/Semana06/Prototipos.pptx
+++ b/Semana06/Prototipos.pptx
@@ -9,6 +9,7 @@
     <p:sldId id="257" r:id="rId3"/>
     <p:sldId id="258" r:id="rId4"/>
     <p:sldId id="259" r:id="rId5"/>
+    <p:sldId id="260" r:id="rId6"/>
   </p:sldIdLst>
   <p:sldSz cx="12192000" cy="6858000"/>
   <p:notesSz cx="6858000" cy="9144000"/>
@@ -275,7 +276,7 @@
           <a:p>
             <a:fld id="{59479DF8-B0D2-410D-BE61-5137DF0C497D}" type="datetimeFigureOut">
               <a:rPr lang="es-PE" smtClean="0"/>
-              <a:t>14/04/2025</a:t>
+              <a:t>24/04/2025</a:t>
             </a:fld>
             <a:endParaRPr lang="es-PE"/>
           </a:p>
@@ -475,7 +476,7 @@
           <a:p>
             <a:fld id="{59479DF8-B0D2-410D-BE61-5137DF0C497D}" type="datetimeFigureOut">
               <a:rPr lang="es-PE" smtClean="0"/>
-              <a:t>14/04/2025</a:t>
+              <a:t>24/04/2025</a:t>
             </a:fld>
             <a:endParaRPr lang="es-PE"/>
           </a:p>
@@ -685,7 +686,7 @@
           <a:p>
             <a:fld id="{59479DF8-B0D2-410D-BE61-5137DF0C497D}" type="datetimeFigureOut">
               <a:rPr lang="es-PE" smtClean="0"/>
-              <a:t>14/04/2025</a:t>
+              <a:t>24/04/2025</a:t>
             </a:fld>
             <a:endParaRPr lang="es-PE"/>
           </a:p>
@@ -885,7 +886,7 @@
           <a:p>
             <a:fld id="{59479DF8-B0D2-410D-BE61-5137DF0C497D}" type="datetimeFigureOut">
               <a:rPr lang="es-PE" smtClean="0"/>
-              <a:t>14/04/2025</a:t>
+              <a:t>24/04/2025</a:t>
             </a:fld>
             <a:endParaRPr lang="es-PE"/>
           </a:p>
@@ -1161,7 +1162,7 @@
           <a:p>
             <a:fld id="{59479DF8-B0D2-410D-BE61-5137DF0C497D}" type="datetimeFigureOut">
               <a:rPr lang="es-PE" smtClean="0"/>
-              <a:t>14/04/2025</a:t>
+              <a:t>24/04/2025</a:t>
             </a:fld>
             <a:endParaRPr lang="es-PE"/>
           </a:p>
@@ -1429,7 +1430,7 @@
           <a:p>
             <a:fld id="{59479DF8-B0D2-410D-BE61-5137DF0C497D}" type="datetimeFigureOut">
               <a:rPr lang="es-PE" smtClean="0"/>
-              <a:t>14/04/2025</a:t>
+              <a:t>24/04/2025</a:t>
             </a:fld>
             <a:endParaRPr lang="es-PE"/>
           </a:p>
@@ -1844,7 +1845,7 @@
           <a:p>
             <a:fld id="{59479DF8-B0D2-410D-BE61-5137DF0C497D}" type="datetimeFigureOut">
               <a:rPr lang="es-PE" smtClean="0"/>
-              <a:t>14/04/2025</a:t>
+              <a:t>24/04/2025</a:t>
             </a:fld>
             <a:endParaRPr lang="es-PE"/>
           </a:p>
@@ -1986,7 +1987,7 @@
           <a:p>
             <a:fld id="{59479DF8-B0D2-410D-BE61-5137DF0C497D}" type="datetimeFigureOut">
               <a:rPr lang="es-PE" smtClean="0"/>
-              <a:t>14/04/2025</a:t>
+              <a:t>24/04/2025</a:t>
             </a:fld>
             <a:endParaRPr lang="es-PE"/>
           </a:p>
@@ -2099,7 +2100,7 @@
           <a:p>
             <a:fld id="{59479DF8-B0D2-410D-BE61-5137DF0C497D}" type="datetimeFigureOut">
               <a:rPr lang="es-PE" smtClean="0"/>
-              <a:t>14/04/2025</a:t>
+              <a:t>24/04/2025</a:t>
             </a:fld>
             <a:endParaRPr lang="es-PE"/>
           </a:p>
@@ -2412,7 +2413,7 @@
           <a:p>
             <a:fld id="{59479DF8-B0D2-410D-BE61-5137DF0C497D}" type="datetimeFigureOut">
               <a:rPr lang="es-PE" smtClean="0"/>
-              <a:t>14/04/2025</a:t>
+              <a:t>24/04/2025</a:t>
             </a:fld>
             <a:endParaRPr lang="es-PE"/>
           </a:p>
@@ -2701,7 +2702,7 @@
           <a:p>
             <a:fld id="{59479DF8-B0D2-410D-BE61-5137DF0C497D}" type="datetimeFigureOut">
               <a:rPr lang="es-PE" smtClean="0"/>
-              <a:t>14/04/2025</a:t>
+              <a:t>24/04/2025</a:t>
             </a:fld>
             <a:endParaRPr lang="es-PE"/>
           </a:p>
@@ -2944,7 +2945,7 @@
           <a:p>
             <a:fld id="{59479DF8-B0D2-410D-BE61-5137DF0C497D}" type="datetimeFigureOut">
               <a:rPr lang="es-PE" smtClean="0"/>
-              <a:t>14/04/2025</a:t>
+              <a:t>24/04/2025</a:t>
             </a:fld>
             <a:endParaRPr lang="es-PE"/>
           </a:p>
@@ -7031,6 +7032,856 @@
 </p:sld>
 </file>
 
+<file path=ppt/slides/slide5.xml><?xml version="1.0" encoding="utf-8"?>
+<p:sld xmlns:a="http://schemas.openxmlformats.org/drawingml/2006/main" xmlns:r="http://schemas.openxmlformats.org/officeDocument/2006/relationships" xmlns:p="http://schemas.openxmlformats.org/presentationml/2006/main">
+  <p:cSld>
+    <p:spTree>
+      <p:nvGrpSpPr>
+        <p:cNvPr id="1" name=""/>
+        <p:cNvGrpSpPr/>
+        <p:nvPr/>
+      </p:nvGrpSpPr>
+      <p:grpSpPr>
+        <a:xfrm>
+          <a:off x="0" y="0"/>
+          <a:ext cx="0" cy="0"/>
+          <a:chOff x="0" y="0"/>
+          <a:chExt cx="0" cy="0"/>
+        </a:xfrm>
+      </p:grpSpPr>
+      <p:sp>
+        <p:nvSpPr>
+          <p:cNvPr id="2" name="Rectángulo 1"/>
+          <p:cNvSpPr/>
+          <p:nvPr/>
+        </p:nvSpPr>
+        <p:spPr>
+          <a:xfrm>
+            <a:off x="3947310" y="606581"/>
+            <a:ext cx="3775295" cy="3548959"/>
+          </a:xfrm>
+          <a:prstGeom prst="rect">
+            <a:avLst/>
+          </a:prstGeom>
+        </p:spPr>
+        <p:style>
+          <a:lnRef idx="2">
+            <a:schemeClr val="accent1">
+              <a:shade val="50000"/>
+            </a:schemeClr>
+          </a:lnRef>
+          <a:fillRef idx="1">
+            <a:schemeClr val="accent1"/>
+          </a:fillRef>
+          <a:effectRef idx="0">
+            <a:schemeClr val="accent1"/>
+          </a:effectRef>
+          <a:fontRef idx="minor">
+            <a:schemeClr val="lt1"/>
+          </a:fontRef>
+        </p:style>
+        <p:txBody>
+          <a:bodyPr rtlCol="0" anchor="ctr"/>
+          <a:lstStyle/>
+          <a:p>
+            <a:pPr algn="ctr"/>
+            <a:r>
+              <a:rPr lang="es-ES" sz="4400" dirty="0" smtClean="0"/>
+              <a:t>REGISTRAR</a:t>
+            </a:r>
+          </a:p>
+          <a:p>
+            <a:pPr algn="ctr"/>
+            <a:r>
+              <a:rPr lang="es-ES" sz="4400" dirty="0" smtClean="0"/>
+              <a:t>PACIENTE</a:t>
+            </a:r>
+            <a:endParaRPr lang="en-US" sz="4400" dirty="0"/>
+          </a:p>
+        </p:txBody>
+      </p:sp>
+      <p:sp>
+        <p:nvSpPr>
+          <p:cNvPr id="3" name="Flecha derecha 2"/>
+          <p:cNvSpPr/>
+          <p:nvPr/>
+        </p:nvSpPr>
+        <p:spPr>
+          <a:xfrm>
+            <a:off x="3440317" y="688063"/>
+            <a:ext cx="506993" cy="425513"/>
+          </a:xfrm>
+          <a:prstGeom prst="rightArrow">
+            <a:avLst/>
+          </a:prstGeom>
+        </p:spPr>
+        <p:style>
+          <a:lnRef idx="2">
+            <a:schemeClr val="accent1">
+              <a:shade val="50000"/>
+            </a:schemeClr>
+          </a:lnRef>
+          <a:fillRef idx="1">
+            <a:schemeClr val="accent1"/>
+          </a:fillRef>
+          <a:effectRef idx="0">
+            <a:schemeClr val="accent1"/>
+          </a:effectRef>
+          <a:fontRef idx="minor">
+            <a:schemeClr val="lt1"/>
+          </a:fontRef>
+        </p:style>
+        <p:txBody>
+          <a:bodyPr rtlCol="0" anchor="ctr"/>
+          <a:lstStyle/>
+          <a:p>
+            <a:pPr algn="ctr"/>
+            <a:endParaRPr lang="en-US"/>
+          </a:p>
+        </p:txBody>
+      </p:sp>
+      <p:sp>
+        <p:nvSpPr>
+          <p:cNvPr id="4" name="Flecha derecha 3"/>
+          <p:cNvSpPr/>
+          <p:nvPr/>
+        </p:nvSpPr>
+        <p:spPr>
+          <a:xfrm>
+            <a:off x="3440316" y="1190531"/>
+            <a:ext cx="506993" cy="425513"/>
+          </a:xfrm>
+          <a:prstGeom prst="rightArrow">
+            <a:avLst/>
+          </a:prstGeom>
+        </p:spPr>
+        <p:style>
+          <a:lnRef idx="2">
+            <a:schemeClr val="accent1">
+              <a:shade val="50000"/>
+            </a:schemeClr>
+          </a:lnRef>
+          <a:fillRef idx="1">
+            <a:schemeClr val="accent1"/>
+          </a:fillRef>
+          <a:effectRef idx="0">
+            <a:schemeClr val="accent1"/>
+          </a:effectRef>
+          <a:fontRef idx="minor">
+            <a:schemeClr val="lt1"/>
+          </a:fontRef>
+        </p:style>
+        <p:txBody>
+          <a:bodyPr rtlCol="0" anchor="ctr"/>
+          <a:lstStyle/>
+          <a:p>
+            <a:pPr algn="ctr"/>
+            <a:endParaRPr lang="en-US"/>
+          </a:p>
+        </p:txBody>
+      </p:sp>
+      <p:sp>
+        <p:nvSpPr>
+          <p:cNvPr id="5" name="Flecha derecha 4"/>
+          <p:cNvSpPr/>
+          <p:nvPr/>
+        </p:nvSpPr>
+        <p:spPr>
+          <a:xfrm>
+            <a:off x="3440314" y="1692999"/>
+            <a:ext cx="506993" cy="425513"/>
+          </a:xfrm>
+          <a:prstGeom prst="rightArrow">
+            <a:avLst/>
+          </a:prstGeom>
+        </p:spPr>
+        <p:style>
+          <a:lnRef idx="2">
+            <a:schemeClr val="accent1">
+              <a:shade val="50000"/>
+            </a:schemeClr>
+          </a:lnRef>
+          <a:fillRef idx="1">
+            <a:schemeClr val="accent1"/>
+          </a:fillRef>
+          <a:effectRef idx="0">
+            <a:schemeClr val="accent1"/>
+          </a:effectRef>
+          <a:fontRef idx="minor">
+            <a:schemeClr val="lt1"/>
+          </a:fontRef>
+        </p:style>
+        <p:txBody>
+          <a:bodyPr rtlCol="0" anchor="ctr"/>
+          <a:lstStyle/>
+          <a:p>
+            <a:pPr algn="ctr"/>
+            <a:endParaRPr lang="en-US"/>
+          </a:p>
+        </p:txBody>
+      </p:sp>
+      <p:sp>
+        <p:nvSpPr>
+          <p:cNvPr id="6" name="Flecha derecha 5"/>
+          <p:cNvSpPr/>
+          <p:nvPr/>
+        </p:nvSpPr>
+        <p:spPr>
+          <a:xfrm>
+            <a:off x="3440313" y="2195467"/>
+            <a:ext cx="506993" cy="425513"/>
+          </a:xfrm>
+          <a:prstGeom prst="rightArrow">
+            <a:avLst/>
+          </a:prstGeom>
+        </p:spPr>
+        <p:style>
+          <a:lnRef idx="2">
+            <a:schemeClr val="accent1">
+              <a:shade val="50000"/>
+            </a:schemeClr>
+          </a:lnRef>
+          <a:fillRef idx="1">
+            <a:schemeClr val="accent1"/>
+          </a:fillRef>
+          <a:effectRef idx="0">
+            <a:schemeClr val="accent1"/>
+          </a:effectRef>
+          <a:fontRef idx="minor">
+            <a:schemeClr val="lt1"/>
+          </a:fontRef>
+        </p:style>
+        <p:txBody>
+          <a:bodyPr rtlCol="0" anchor="ctr"/>
+          <a:lstStyle/>
+          <a:p>
+            <a:pPr algn="ctr"/>
+            <a:endParaRPr lang="en-US"/>
+          </a:p>
+        </p:txBody>
+      </p:sp>
+      <p:sp>
+        <p:nvSpPr>
+          <p:cNvPr id="7" name="Flecha derecha 6"/>
+          <p:cNvSpPr/>
+          <p:nvPr/>
+        </p:nvSpPr>
+        <p:spPr>
+          <a:xfrm>
+            <a:off x="3440313" y="2697935"/>
+            <a:ext cx="506993" cy="425513"/>
+          </a:xfrm>
+          <a:prstGeom prst="rightArrow">
+            <a:avLst/>
+          </a:prstGeom>
+        </p:spPr>
+        <p:style>
+          <a:lnRef idx="2">
+            <a:schemeClr val="accent1">
+              <a:shade val="50000"/>
+            </a:schemeClr>
+          </a:lnRef>
+          <a:fillRef idx="1">
+            <a:schemeClr val="accent1"/>
+          </a:fillRef>
+          <a:effectRef idx="0">
+            <a:schemeClr val="accent1"/>
+          </a:effectRef>
+          <a:fontRef idx="minor">
+            <a:schemeClr val="lt1"/>
+          </a:fontRef>
+        </p:style>
+        <p:txBody>
+          <a:bodyPr rtlCol="0" anchor="ctr"/>
+          <a:lstStyle/>
+          <a:p>
+            <a:pPr algn="ctr"/>
+            <a:endParaRPr lang="en-US"/>
+          </a:p>
+        </p:txBody>
+      </p:sp>
+      <p:sp>
+        <p:nvSpPr>
+          <p:cNvPr id="8" name="Flecha derecha 7"/>
+          <p:cNvSpPr/>
+          <p:nvPr/>
+        </p:nvSpPr>
+        <p:spPr>
+          <a:xfrm>
+            <a:off x="3440312" y="3200403"/>
+            <a:ext cx="506993" cy="425513"/>
+          </a:xfrm>
+          <a:prstGeom prst="rightArrow">
+            <a:avLst/>
+          </a:prstGeom>
+        </p:spPr>
+        <p:style>
+          <a:lnRef idx="2">
+            <a:schemeClr val="accent1">
+              <a:shade val="50000"/>
+            </a:schemeClr>
+          </a:lnRef>
+          <a:fillRef idx="1">
+            <a:schemeClr val="accent1"/>
+          </a:fillRef>
+          <a:effectRef idx="0">
+            <a:schemeClr val="accent1"/>
+          </a:effectRef>
+          <a:fontRef idx="minor">
+            <a:schemeClr val="lt1"/>
+          </a:fontRef>
+        </p:style>
+        <p:txBody>
+          <a:bodyPr rtlCol="0" anchor="ctr"/>
+          <a:lstStyle/>
+          <a:p>
+            <a:pPr algn="ctr"/>
+            <a:endParaRPr lang="en-US"/>
+          </a:p>
+        </p:txBody>
+      </p:sp>
+      <p:sp>
+        <p:nvSpPr>
+          <p:cNvPr id="9" name="CuadroTexto 8"/>
+          <p:cNvSpPr txBox="1"/>
+          <p:nvPr/>
+        </p:nvSpPr>
+        <p:spPr>
+          <a:xfrm>
+            <a:off x="2402375" y="746113"/>
+            <a:ext cx="534121" cy="369332"/>
+          </a:xfrm>
+          <a:prstGeom prst="rect">
+            <a:avLst/>
+          </a:prstGeom>
+          <a:noFill/>
+        </p:spPr>
+        <p:txBody>
+          <a:bodyPr wrap="none" rtlCol="0">
+            <a:spAutoFit/>
+          </a:bodyPr>
+          <a:lstStyle/>
+          <a:p>
+            <a:r>
+              <a:rPr lang="es-ES" dirty="0" smtClean="0"/>
+              <a:t>DNI</a:t>
+            </a:r>
+            <a:endParaRPr lang="en-US" dirty="0"/>
+          </a:p>
+        </p:txBody>
+      </p:sp>
+      <p:sp>
+        <p:nvSpPr>
+          <p:cNvPr id="10" name="CuadroTexto 9"/>
+          <p:cNvSpPr txBox="1"/>
+          <p:nvPr/>
+        </p:nvSpPr>
+        <p:spPr>
+          <a:xfrm>
+            <a:off x="2402375" y="1237663"/>
+            <a:ext cx="1044068" cy="369332"/>
+          </a:xfrm>
+          <a:prstGeom prst="rect">
+            <a:avLst/>
+          </a:prstGeom>
+          <a:noFill/>
+        </p:spPr>
+        <p:txBody>
+          <a:bodyPr wrap="none" rtlCol="0">
+            <a:spAutoFit/>
+          </a:bodyPr>
+          <a:lstStyle/>
+          <a:p>
+            <a:r>
+              <a:rPr lang="es-ES" dirty="0" smtClean="0"/>
+              <a:t>Nombres</a:t>
+            </a:r>
+            <a:endParaRPr lang="en-US" dirty="0"/>
+          </a:p>
+        </p:txBody>
+      </p:sp>
+      <p:sp>
+        <p:nvSpPr>
+          <p:cNvPr id="11" name="CuadroTexto 10"/>
+          <p:cNvSpPr txBox="1"/>
+          <p:nvPr/>
+        </p:nvSpPr>
+        <p:spPr>
+          <a:xfrm>
+            <a:off x="2396243" y="1707101"/>
+            <a:ext cx="1047082" cy="369332"/>
+          </a:xfrm>
+          <a:prstGeom prst="rect">
+            <a:avLst/>
+          </a:prstGeom>
+          <a:noFill/>
+        </p:spPr>
+        <p:txBody>
+          <a:bodyPr wrap="none" rtlCol="0">
+            <a:spAutoFit/>
+          </a:bodyPr>
+          <a:lstStyle/>
+          <a:p>
+            <a:r>
+              <a:rPr lang="es-ES" dirty="0" smtClean="0"/>
+              <a:t>Apellidos</a:t>
+            </a:r>
+            <a:endParaRPr lang="en-US" dirty="0"/>
+          </a:p>
+        </p:txBody>
+      </p:sp>
+      <p:sp>
+        <p:nvSpPr>
+          <p:cNvPr id="12" name="CuadroTexto 11"/>
+          <p:cNvSpPr txBox="1"/>
+          <p:nvPr/>
+        </p:nvSpPr>
+        <p:spPr>
+          <a:xfrm>
+            <a:off x="2376685" y="2195467"/>
+            <a:ext cx="794513" cy="369332"/>
+          </a:xfrm>
+          <a:prstGeom prst="rect">
+            <a:avLst/>
+          </a:prstGeom>
+          <a:noFill/>
+        </p:spPr>
+        <p:txBody>
+          <a:bodyPr wrap="none" rtlCol="0">
+            <a:spAutoFit/>
+          </a:bodyPr>
+          <a:lstStyle/>
+          <a:p>
+            <a:r>
+              <a:rPr lang="es-ES" dirty="0" smtClean="0"/>
+              <a:t>F. </a:t>
+            </a:r>
+            <a:r>
+              <a:rPr lang="es-ES" dirty="0" err="1" smtClean="0"/>
+              <a:t>Nac</a:t>
+            </a:r>
+            <a:r>
+              <a:rPr lang="es-ES" dirty="0" smtClean="0"/>
+              <a:t>.</a:t>
+            </a:r>
+            <a:endParaRPr lang="en-US" dirty="0"/>
+          </a:p>
+        </p:txBody>
+      </p:sp>
+      <p:sp>
+        <p:nvSpPr>
+          <p:cNvPr id="13" name="CuadroTexto 12"/>
+          <p:cNvSpPr txBox="1"/>
+          <p:nvPr/>
+        </p:nvSpPr>
+        <p:spPr>
+          <a:xfrm>
+            <a:off x="2376684" y="2726025"/>
+            <a:ext cx="824456" cy="369332"/>
+          </a:xfrm>
+          <a:prstGeom prst="rect">
+            <a:avLst/>
+          </a:prstGeom>
+          <a:noFill/>
+        </p:spPr>
+        <p:txBody>
+          <a:bodyPr wrap="none" rtlCol="0">
+            <a:spAutoFit/>
+          </a:bodyPr>
+          <a:lstStyle/>
+          <a:p>
+            <a:r>
+              <a:rPr lang="es-ES" dirty="0" smtClean="0"/>
+              <a:t>Correo</a:t>
+            </a:r>
+            <a:endParaRPr lang="en-US" dirty="0"/>
+          </a:p>
+        </p:txBody>
+      </p:sp>
+      <p:sp>
+        <p:nvSpPr>
+          <p:cNvPr id="14" name="CuadroTexto 13"/>
+          <p:cNvSpPr txBox="1"/>
+          <p:nvPr/>
+        </p:nvSpPr>
+        <p:spPr>
+          <a:xfrm>
+            <a:off x="2396243" y="3228493"/>
+            <a:ext cx="989182" cy="369332"/>
+          </a:xfrm>
+          <a:prstGeom prst="rect">
+            <a:avLst/>
+          </a:prstGeom>
+          <a:noFill/>
+        </p:spPr>
+        <p:txBody>
+          <a:bodyPr wrap="none" rtlCol="0">
+            <a:spAutoFit/>
+          </a:bodyPr>
+          <a:lstStyle/>
+          <a:p>
+            <a:r>
+              <a:rPr lang="es-ES" dirty="0" smtClean="0"/>
+              <a:t>Teléfono</a:t>
+            </a:r>
+            <a:endParaRPr lang="en-US" dirty="0"/>
+          </a:p>
+        </p:txBody>
+      </p:sp>
+      <p:sp>
+        <p:nvSpPr>
+          <p:cNvPr id="15" name="Flecha derecha 14"/>
+          <p:cNvSpPr/>
+          <p:nvPr/>
+        </p:nvSpPr>
+        <p:spPr>
+          <a:xfrm>
+            <a:off x="3440312" y="3701002"/>
+            <a:ext cx="506993" cy="425513"/>
+          </a:xfrm>
+          <a:prstGeom prst="rightArrow">
+            <a:avLst/>
+          </a:prstGeom>
+        </p:spPr>
+        <p:style>
+          <a:lnRef idx="2">
+            <a:schemeClr val="accent1">
+              <a:shade val="50000"/>
+            </a:schemeClr>
+          </a:lnRef>
+          <a:fillRef idx="1">
+            <a:schemeClr val="accent1"/>
+          </a:fillRef>
+          <a:effectRef idx="0">
+            <a:schemeClr val="accent1"/>
+          </a:effectRef>
+          <a:fontRef idx="minor">
+            <a:schemeClr val="lt1"/>
+          </a:fontRef>
+        </p:style>
+        <p:txBody>
+          <a:bodyPr rtlCol="0" anchor="ctr"/>
+          <a:lstStyle/>
+          <a:p>
+            <a:pPr algn="ctr"/>
+            <a:endParaRPr lang="en-US"/>
+          </a:p>
+        </p:txBody>
+      </p:sp>
+      <p:sp>
+        <p:nvSpPr>
+          <p:cNvPr id="16" name="CuadroTexto 15"/>
+          <p:cNvSpPr txBox="1"/>
+          <p:nvPr/>
+        </p:nvSpPr>
+        <p:spPr>
+          <a:xfrm>
+            <a:off x="2396243" y="3729092"/>
+            <a:ext cx="605102" cy="369332"/>
+          </a:xfrm>
+          <a:prstGeom prst="rect">
+            <a:avLst/>
+          </a:prstGeom>
+          <a:noFill/>
+        </p:spPr>
+        <p:txBody>
+          <a:bodyPr wrap="none" rtlCol="0">
+            <a:spAutoFit/>
+          </a:bodyPr>
+          <a:lstStyle/>
+          <a:p>
+            <a:r>
+              <a:rPr lang="es-ES" dirty="0" err="1" smtClean="0"/>
+              <a:t>Obs</a:t>
+            </a:r>
+            <a:r>
+              <a:rPr lang="es-ES" dirty="0" smtClean="0"/>
+              <a:t>.</a:t>
+            </a:r>
+            <a:endParaRPr lang="en-US" dirty="0"/>
+          </a:p>
+        </p:txBody>
+      </p:sp>
+      <p:sp>
+        <p:nvSpPr>
+          <p:cNvPr id="17" name="Flecha derecha 16"/>
+          <p:cNvSpPr/>
+          <p:nvPr/>
+        </p:nvSpPr>
+        <p:spPr>
+          <a:xfrm>
+            <a:off x="7722605" y="1281588"/>
+            <a:ext cx="506993" cy="425513"/>
+          </a:xfrm>
+          <a:prstGeom prst="rightArrow">
+            <a:avLst/>
+          </a:prstGeom>
+        </p:spPr>
+        <p:style>
+          <a:lnRef idx="2">
+            <a:schemeClr val="accent1">
+              <a:shade val="50000"/>
+            </a:schemeClr>
+          </a:lnRef>
+          <a:fillRef idx="1">
+            <a:schemeClr val="accent1"/>
+          </a:fillRef>
+          <a:effectRef idx="0">
+            <a:schemeClr val="accent1"/>
+          </a:effectRef>
+          <a:fontRef idx="minor">
+            <a:schemeClr val="lt1"/>
+          </a:fontRef>
+        </p:style>
+        <p:txBody>
+          <a:bodyPr rtlCol="0" anchor="ctr"/>
+          <a:lstStyle/>
+          <a:p>
+            <a:pPr algn="ctr"/>
+            <a:endParaRPr lang="en-US"/>
+          </a:p>
+        </p:txBody>
+      </p:sp>
+      <p:sp>
+        <p:nvSpPr>
+          <p:cNvPr id="18" name="CuadroTexto 17"/>
+          <p:cNvSpPr txBox="1"/>
+          <p:nvPr/>
+        </p:nvSpPr>
+        <p:spPr>
+          <a:xfrm>
+            <a:off x="8231656" y="1277060"/>
+            <a:ext cx="1039259" cy="369332"/>
+          </a:xfrm>
+          <a:prstGeom prst="rect">
+            <a:avLst/>
+          </a:prstGeom>
+          <a:noFill/>
+        </p:spPr>
+        <p:txBody>
+          <a:bodyPr wrap="none" rtlCol="0">
+            <a:spAutoFit/>
+          </a:bodyPr>
+          <a:lstStyle/>
+          <a:p>
+            <a:r>
+              <a:rPr lang="es-ES" dirty="0" err="1" smtClean="0"/>
+              <a:t>ClienteID</a:t>
+            </a:r>
+            <a:endParaRPr lang="en-US" dirty="0"/>
+          </a:p>
+        </p:txBody>
+      </p:sp>
+      <p:sp>
+        <p:nvSpPr>
+          <p:cNvPr id="19" name="Flecha derecha 18"/>
+          <p:cNvSpPr/>
+          <p:nvPr/>
+        </p:nvSpPr>
+        <p:spPr>
+          <a:xfrm>
+            <a:off x="7704738" y="1938374"/>
+            <a:ext cx="506993" cy="425513"/>
+          </a:xfrm>
+          <a:prstGeom prst="rightArrow">
+            <a:avLst/>
+          </a:prstGeom>
+        </p:spPr>
+        <p:style>
+          <a:lnRef idx="2">
+            <a:schemeClr val="accent1">
+              <a:shade val="50000"/>
+            </a:schemeClr>
+          </a:lnRef>
+          <a:fillRef idx="1">
+            <a:schemeClr val="accent1"/>
+          </a:fillRef>
+          <a:effectRef idx="0">
+            <a:schemeClr val="accent1"/>
+          </a:effectRef>
+          <a:fontRef idx="minor">
+            <a:schemeClr val="lt1"/>
+          </a:fontRef>
+        </p:style>
+        <p:txBody>
+          <a:bodyPr rtlCol="0" anchor="ctr"/>
+          <a:lstStyle/>
+          <a:p>
+            <a:pPr algn="ctr"/>
+            <a:endParaRPr lang="en-US"/>
+          </a:p>
+        </p:txBody>
+      </p:sp>
+      <p:sp>
+        <p:nvSpPr>
+          <p:cNvPr id="20" name="CuadroTexto 19"/>
+          <p:cNvSpPr txBox="1"/>
+          <p:nvPr/>
+        </p:nvSpPr>
+        <p:spPr>
+          <a:xfrm>
+            <a:off x="8213789" y="1933846"/>
+            <a:ext cx="2373342" cy="923330"/>
+          </a:xfrm>
+          <a:prstGeom prst="rect">
+            <a:avLst/>
+          </a:prstGeom>
+          <a:noFill/>
+        </p:spPr>
+        <p:txBody>
+          <a:bodyPr wrap="none" rtlCol="0">
+            <a:spAutoFit/>
+          </a:bodyPr>
+          <a:lstStyle/>
+          <a:p>
+            <a:r>
+              <a:rPr lang="es-ES" dirty="0" smtClean="0"/>
+              <a:t>Estado</a:t>
+            </a:r>
+            <a:br>
+              <a:rPr lang="es-ES" dirty="0" smtClean="0"/>
+            </a:br>
+            <a:r>
+              <a:rPr lang="es-ES" dirty="0" smtClean="0"/>
+              <a:t> +1: Proceso Ok.</a:t>
+            </a:r>
+            <a:br>
+              <a:rPr lang="es-ES" dirty="0" smtClean="0"/>
+            </a:br>
+            <a:r>
+              <a:rPr lang="es-ES" dirty="0" smtClean="0"/>
+              <a:t>  -1: Error en el proceso</a:t>
+            </a:r>
+            <a:endParaRPr lang="en-US" dirty="0"/>
+          </a:p>
+        </p:txBody>
+      </p:sp>
+      <p:sp>
+        <p:nvSpPr>
+          <p:cNvPr id="21" name="Flecha derecha 20"/>
+          <p:cNvSpPr/>
+          <p:nvPr/>
+        </p:nvSpPr>
+        <p:spPr>
+          <a:xfrm>
+            <a:off x="7722605" y="2931873"/>
+            <a:ext cx="506993" cy="425513"/>
+          </a:xfrm>
+          <a:prstGeom prst="rightArrow">
+            <a:avLst/>
+          </a:prstGeom>
+        </p:spPr>
+        <p:style>
+          <a:lnRef idx="2">
+            <a:schemeClr val="accent1">
+              <a:shade val="50000"/>
+            </a:schemeClr>
+          </a:lnRef>
+          <a:fillRef idx="1">
+            <a:schemeClr val="accent1"/>
+          </a:fillRef>
+          <a:effectRef idx="0">
+            <a:schemeClr val="accent1"/>
+          </a:effectRef>
+          <a:fontRef idx="minor">
+            <a:schemeClr val="lt1"/>
+          </a:fontRef>
+        </p:style>
+        <p:txBody>
+          <a:bodyPr rtlCol="0" anchor="ctr"/>
+          <a:lstStyle/>
+          <a:p>
+            <a:pPr algn="ctr"/>
+            <a:endParaRPr lang="en-US"/>
+          </a:p>
+        </p:txBody>
+      </p:sp>
+      <p:sp>
+        <p:nvSpPr>
+          <p:cNvPr id="22" name="CuadroTexto 21"/>
+          <p:cNvSpPr txBox="1"/>
+          <p:nvPr/>
+        </p:nvSpPr>
+        <p:spPr>
+          <a:xfrm>
+            <a:off x="8231656" y="2927345"/>
+            <a:ext cx="989373" cy="369332"/>
+          </a:xfrm>
+          <a:prstGeom prst="rect">
+            <a:avLst/>
+          </a:prstGeom>
+          <a:noFill/>
+        </p:spPr>
+        <p:txBody>
+          <a:bodyPr wrap="none" rtlCol="0">
+            <a:spAutoFit/>
+          </a:bodyPr>
+          <a:lstStyle/>
+          <a:p>
+            <a:r>
+              <a:rPr lang="es-ES" dirty="0" smtClean="0"/>
+              <a:t>Mensaje</a:t>
+            </a:r>
+          </a:p>
+        </p:txBody>
+      </p:sp>
+      <p:sp>
+        <p:nvSpPr>
+          <p:cNvPr id="23" name="CuadroTexto 22"/>
+          <p:cNvSpPr txBox="1"/>
+          <p:nvPr/>
+        </p:nvSpPr>
+        <p:spPr>
+          <a:xfrm>
+            <a:off x="4218915" y="4218914"/>
+            <a:ext cx="3376942" cy="1477328"/>
+          </a:xfrm>
+          <a:prstGeom prst="rect">
+            <a:avLst/>
+          </a:prstGeom>
+          <a:noFill/>
+        </p:spPr>
+        <p:txBody>
+          <a:bodyPr wrap="square" rtlCol="0">
+            <a:spAutoFit/>
+          </a:bodyPr>
+          <a:lstStyle/>
+          <a:p>
+            <a:pPr algn="ctr"/>
+            <a:r>
+              <a:rPr lang="es-ES" dirty="0" smtClean="0"/>
+              <a:t>Restricciones:</a:t>
+            </a:r>
+          </a:p>
+          <a:p>
+            <a:r>
+              <a:rPr lang="es-ES" dirty="0" smtClean="0"/>
+              <a:t>1. Si los pacientes son menores de edad, los padres y el menor deben pasar una entrevista psicológica.</a:t>
+            </a:r>
+            <a:endParaRPr lang="en-US" dirty="0"/>
+          </a:p>
+        </p:txBody>
+      </p:sp>
+    </p:spTree>
+    <p:extLst>
+      <p:ext uri="{BB962C8B-B14F-4D97-AF65-F5344CB8AC3E}">
+        <p14:creationId xmlns:p14="http://schemas.microsoft.com/office/powerpoint/2010/main" val="461238110"/>
+      </p:ext>
+    </p:extLst>
+  </p:cSld>
+  <p:clrMapOvr>
+    <a:masterClrMapping/>
+  </p:clrMapOvr>
+  <p:timing>
+    <p:tnLst>
+      <p:par>
+        <p:cTn id="1" dur="indefinite" restart="never" nodeType="tmRoot"/>
+      </p:par>
+    </p:tnLst>
+  </p:timing>
+</p:sld>
+</file>
+
 <file path=ppt/theme/theme1.xml><?xml version="1.0" encoding="utf-8"?>
 <a:theme xmlns:a="http://schemas.openxmlformats.org/drawingml/2006/main" name="Tema de Office">
   <a:themeElements>
